--- a/BlottoRL.pptx
+++ b/BlottoRL.pptx
@@ -2355,22 +2355,38 @@
   <pc:docChgLst>
     <pc:chgData name="Joseph Christian Noel" userId="c3560e1f-b579-4e99-92b7-9a58d7202b9a" providerId="ADAL" clId="{3C91CA4D-B9DB-3C49-89E0-A155895792B1}"/>
     <pc:docChg chg="undo custSel addSld delSld modSld sldOrd">
-      <pc:chgData name="Joseph Christian Noel" userId="c3560e1f-b579-4e99-92b7-9a58d7202b9a" providerId="ADAL" clId="{3C91CA4D-B9DB-3C49-89E0-A155895792B1}" dt="2022-01-04T07:25:00.274" v="3464" actId="20577"/>
+      <pc:chgData name="Joseph Christian Noel" userId="c3560e1f-b579-4e99-92b7-9a58d7202b9a" providerId="ADAL" clId="{3C91CA4D-B9DB-3C49-89E0-A155895792B1}" dt="2022-01-05T09:40:10.090" v="3890" actId="20577"/>
       <pc:docMkLst>
         <pc:docMk/>
       </pc:docMkLst>
-      <pc:sldChg chg="modSp mod">
-        <pc:chgData name="Joseph Christian Noel" userId="c3560e1f-b579-4e99-92b7-9a58d7202b9a" providerId="ADAL" clId="{3C91CA4D-B9DB-3C49-89E0-A155895792B1}" dt="2022-01-01T11:35:37.016" v="67" actId="20577"/>
+      <pc:sldChg chg="addSp modSp mod">
+        <pc:chgData name="Joseph Christian Noel" userId="c3560e1f-b579-4e99-92b7-9a58d7202b9a" providerId="ADAL" clId="{3C91CA4D-B9DB-3C49-89E0-A155895792B1}" dt="2022-01-05T09:40:10.090" v="3890" actId="20577"/>
         <pc:sldMkLst>
           <pc:docMk/>
           <pc:sldMk cId="948356227" sldId="281"/>
         </pc:sldMkLst>
         <pc:spChg chg="mod">
-          <ac:chgData name="Joseph Christian Noel" userId="c3560e1f-b579-4e99-92b7-9a58d7202b9a" providerId="ADAL" clId="{3C91CA4D-B9DB-3C49-89E0-A155895792B1}" dt="2022-01-01T11:35:37.016" v="67" actId="20577"/>
+          <ac:chgData name="Joseph Christian Noel" userId="c3560e1f-b579-4e99-92b7-9a58d7202b9a" providerId="ADAL" clId="{3C91CA4D-B9DB-3C49-89E0-A155895792B1}" dt="2022-01-05T09:40:10.090" v="3890" actId="20577"/>
           <ac:spMkLst>
             <pc:docMk/>
             <pc:sldMk cId="948356227" sldId="281"/>
             <ac:spMk id="2" creationId="{1DA0017C-ACF2-4C11-87F9-52B53676ACA4}"/>
+          </ac:spMkLst>
+        </pc:spChg>
+        <pc:spChg chg="add mod">
+          <ac:chgData name="Joseph Christian Noel" userId="c3560e1f-b579-4e99-92b7-9a58d7202b9a" providerId="ADAL" clId="{3C91CA4D-B9DB-3C49-89E0-A155895792B1}" dt="2022-01-05T09:20:45.936" v="3625" actId="20577"/>
+          <ac:spMkLst>
+            <pc:docMk/>
+            <pc:sldMk cId="948356227" sldId="281"/>
+            <ac:spMk id="3" creationId="{B0BD8498-543D-C546-84AF-A79FCC3D8183}"/>
+          </ac:spMkLst>
+        </pc:spChg>
+        <pc:spChg chg="add mod">
+          <ac:chgData name="Joseph Christian Noel" userId="c3560e1f-b579-4e99-92b7-9a58d7202b9a" providerId="ADAL" clId="{3C91CA4D-B9DB-3C49-89E0-A155895792B1}" dt="2022-01-05T09:20:56.385" v="3626" actId="1076"/>
+          <ac:spMkLst>
+            <pc:docMk/>
+            <pc:sldMk cId="948356227" sldId="281"/>
+            <ac:spMk id="4" creationId="{14FF9138-F436-0E42-8A40-0C37FC841A66}"/>
           </ac:spMkLst>
         </pc:spChg>
       </pc:sldChg>
@@ -2610,7 +2626,7 @@
         </pc:sldMkLst>
       </pc:sldChg>
       <pc:sldChg chg="addSp delSp modSp add mod">
-        <pc:chgData name="Joseph Christian Noel" userId="c3560e1f-b579-4e99-92b7-9a58d7202b9a" providerId="ADAL" clId="{3C91CA4D-B9DB-3C49-89E0-A155895792B1}" dt="2022-01-04T06:17:36.844" v="3198" actId="14100"/>
+        <pc:chgData name="Joseph Christian Noel" userId="c3560e1f-b579-4e99-92b7-9a58d7202b9a" providerId="ADAL" clId="{3C91CA4D-B9DB-3C49-89E0-A155895792B1}" dt="2022-01-05T09:25:53.831" v="3682" actId="20577"/>
         <pc:sldMkLst>
           <pc:docMk/>
           <pc:sldMk cId="1843680326" sldId="498"/>
@@ -2624,7 +2640,7 @@
           </ac:spMkLst>
         </pc:spChg>
         <pc:spChg chg="mod">
-          <ac:chgData name="Joseph Christian Noel" userId="c3560e1f-b579-4e99-92b7-9a58d7202b9a" providerId="ADAL" clId="{3C91CA4D-B9DB-3C49-89E0-A155895792B1}" dt="2022-01-01T14:09:34.813" v="1547" actId="114"/>
+          <ac:chgData name="Joseph Christian Noel" userId="c3560e1f-b579-4e99-92b7-9a58d7202b9a" providerId="ADAL" clId="{3C91CA4D-B9DB-3C49-89E0-A155895792B1}" dt="2022-01-05T09:25:53.831" v="3682" actId="20577"/>
           <ac:spMkLst>
             <pc:docMk/>
             <pc:sldMk cId="1843680326" sldId="498"/>
@@ -2649,13 +2665,13 @@
         </pc:picChg>
       </pc:sldChg>
       <pc:sldChg chg="addSp delSp modSp add mod">
-        <pc:chgData name="Joseph Christian Noel" userId="c3560e1f-b579-4e99-92b7-9a58d7202b9a" providerId="ADAL" clId="{3C91CA4D-B9DB-3C49-89E0-A155895792B1}" dt="2022-01-04T07:24:22.960" v="3424" actId="20577"/>
+        <pc:chgData name="Joseph Christian Noel" userId="c3560e1f-b579-4e99-92b7-9a58d7202b9a" providerId="ADAL" clId="{3C91CA4D-B9DB-3C49-89E0-A155895792B1}" dt="2022-01-05T09:11:43.444" v="3479" actId="20577"/>
         <pc:sldMkLst>
           <pc:docMk/>
           <pc:sldMk cId="2565509748" sldId="499"/>
         </pc:sldMkLst>
         <pc:spChg chg="mod">
-          <ac:chgData name="Joseph Christian Noel" userId="c3560e1f-b579-4e99-92b7-9a58d7202b9a" providerId="ADAL" clId="{3C91CA4D-B9DB-3C49-89E0-A155895792B1}" dt="2022-01-01T13:33:19.815" v="758" actId="20577"/>
+          <ac:chgData name="Joseph Christian Noel" userId="c3560e1f-b579-4e99-92b7-9a58d7202b9a" providerId="ADAL" clId="{3C91CA4D-B9DB-3C49-89E0-A155895792B1}" dt="2022-01-05T09:11:43.444" v="3479" actId="20577"/>
           <ac:spMkLst>
             <pc:docMk/>
             <pc:sldMk cId="2565509748" sldId="499"/>
@@ -2688,7 +2704,7 @@
         </pc:picChg>
       </pc:sldChg>
       <pc:sldChg chg="addSp delSp modSp add mod">
-        <pc:chgData name="Joseph Christian Noel" userId="c3560e1f-b579-4e99-92b7-9a58d7202b9a" providerId="ADAL" clId="{3C91CA4D-B9DB-3C49-89E0-A155895792B1}" dt="2022-01-04T07:12:36.990" v="3265" actId="20577"/>
+        <pc:chgData name="Joseph Christian Noel" userId="c3560e1f-b579-4e99-92b7-9a58d7202b9a" providerId="ADAL" clId="{3C91CA4D-B9DB-3C49-89E0-A155895792B1}" dt="2022-01-05T09:35:44.735" v="3874" actId="20577"/>
         <pc:sldMkLst>
           <pc:docMk/>
           <pc:sldMk cId="707241108" sldId="500"/>
@@ -2702,7 +2718,7 @@
           </ac:spMkLst>
         </pc:spChg>
         <pc:spChg chg="mod">
-          <ac:chgData name="Joseph Christian Noel" userId="c3560e1f-b579-4e99-92b7-9a58d7202b9a" providerId="ADAL" clId="{3C91CA4D-B9DB-3C49-89E0-A155895792B1}" dt="2022-01-04T07:12:25.822" v="3263" actId="20577"/>
+          <ac:chgData name="Joseph Christian Noel" userId="c3560e1f-b579-4e99-92b7-9a58d7202b9a" providerId="ADAL" clId="{3C91CA4D-B9DB-3C49-89E0-A155895792B1}" dt="2022-01-05T09:35:44.735" v="3874" actId="20577"/>
           <ac:spMkLst>
             <pc:docMk/>
             <pc:sldMk cId="707241108" sldId="500"/>
@@ -3045,7 +3061,7 @@
           <a:p>
             <a:fld id="{0834EA7D-BBFA-4504-A90A-37BE643CE2D2}" type="datetimeFigureOut">
               <a:rPr lang="en-US"/>
-              <a:t>1/4/22</a:t>
+              <a:t>1/5/22</a:t>
             </a:fld>
             <a:endParaRPr lang="en-US"/>
           </a:p>
@@ -3459,7 +3475,7 @@
           <a:p>
             <a:fld id="{F50C3505-CF82-174F-AFA8-21B7BABB3332}" type="datetimeFigureOut">
               <a:rPr lang="en-US" smtClean="0"/>
-              <a:t>1/4/22</a:t>
+              <a:t>1/5/22</a:t>
             </a:fld>
             <a:endParaRPr lang="en-US"/>
           </a:p>
@@ -3657,7 +3673,7 @@
           <a:p>
             <a:fld id="{F50C3505-CF82-174F-AFA8-21B7BABB3332}" type="datetimeFigureOut">
               <a:rPr lang="en-US" smtClean="0"/>
-              <a:t>1/4/22</a:t>
+              <a:t>1/5/22</a:t>
             </a:fld>
             <a:endParaRPr lang="en-US"/>
           </a:p>
@@ -3865,7 +3881,7 @@
           <a:p>
             <a:fld id="{F50C3505-CF82-174F-AFA8-21B7BABB3332}" type="datetimeFigureOut">
               <a:rPr lang="en-US" smtClean="0"/>
-              <a:t>1/4/22</a:t>
+              <a:t>1/5/22</a:t>
             </a:fld>
             <a:endParaRPr lang="en-US"/>
           </a:p>
@@ -4093,7 +4109,7 @@
           <a:p>
             <a:fld id="{F50C3505-CF82-174F-AFA8-21B7BABB3332}" type="datetimeFigureOut">
               <a:rPr lang="en-US" smtClean="0"/>
-              <a:t>1/4/22</a:t>
+              <a:t>1/5/22</a:t>
             </a:fld>
             <a:endParaRPr lang="en-US"/>
           </a:p>
@@ -4368,7 +4384,7 @@
           <a:p>
             <a:fld id="{F50C3505-CF82-174F-AFA8-21B7BABB3332}" type="datetimeFigureOut">
               <a:rPr lang="en-US" smtClean="0"/>
-              <a:t>1/4/22</a:t>
+              <a:t>1/5/22</a:t>
             </a:fld>
             <a:endParaRPr lang="en-US"/>
           </a:p>
@@ -4633,7 +4649,7 @@
           <a:p>
             <a:fld id="{F50C3505-CF82-174F-AFA8-21B7BABB3332}" type="datetimeFigureOut">
               <a:rPr lang="en-US" smtClean="0"/>
-              <a:t>1/4/22</a:t>
+              <a:t>1/5/22</a:t>
             </a:fld>
             <a:endParaRPr lang="en-US"/>
           </a:p>
@@ -5045,7 +5061,7 @@
           <a:p>
             <a:fld id="{F50C3505-CF82-174F-AFA8-21B7BABB3332}" type="datetimeFigureOut">
               <a:rPr lang="en-US" smtClean="0"/>
-              <a:t>1/4/22</a:t>
+              <a:t>1/5/22</a:t>
             </a:fld>
             <a:endParaRPr lang="en-US"/>
           </a:p>
@@ -5186,7 +5202,7 @@
           <a:p>
             <a:fld id="{F50C3505-CF82-174F-AFA8-21B7BABB3332}" type="datetimeFigureOut">
               <a:rPr lang="en-US" smtClean="0"/>
-              <a:t>1/4/22</a:t>
+              <a:t>1/5/22</a:t>
             </a:fld>
             <a:endParaRPr lang="en-US"/>
           </a:p>
@@ -5299,7 +5315,7 @@
           <a:p>
             <a:fld id="{F50C3505-CF82-174F-AFA8-21B7BABB3332}" type="datetimeFigureOut">
               <a:rPr lang="en-US" smtClean="0"/>
-              <a:t>1/4/22</a:t>
+              <a:t>1/5/22</a:t>
             </a:fld>
             <a:endParaRPr lang="en-US"/>
           </a:p>
@@ -5610,7 +5626,7 @@
           <a:p>
             <a:fld id="{F50C3505-CF82-174F-AFA8-21B7BABB3332}" type="datetimeFigureOut">
               <a:rPr lang="en-US" smtClean="0"/>
-              <a:t>1/4/22</a:t>
+              <a:t>1/5/22</a:t>
             </a:fld>
             <a:endParaRPr lang="en-US"/>
           </a:p>
@@ -5898,7 +5914,7 @@
           <a:p>
             <a:fld id="{F50C3505-CF82-174F-AFA8-21B7BABB3332}" type="datetimeFigureOut">
               <a:rPr lang="en-US" smtClean="0"/>
-              <a:t>1/4/22</a:t>
+              <a:t>1/5/22</a:t>
             </a:fld>
             <a:endParaRPr lang="en-US"/>
           </a:p>
@@ -6139,7 +6155,7 @@
           <a:p>
             <a:fld id="{F50C3505-CF82-174F-AFA8-21B7BABB3332}" type="datetimeFigureOut">
               <a:rPr lang="en-US" smtClean="0"/>
-              <a:t>1/4/22</a:t>
+              <a:t>1/5/22</a:t>
             </a:fld>
             <a:endParaRPr lang="en-US"/>
           </a:p>
@@ -6626,13 +6642,102 @@
               </a:lnSpc>
             </a:pPr>
             <a:r>
+              <a:rPr lang="en-PH" b="1">
+                <a:solidFill>
+                  <a:srgbClr val="393356"/>
+                </a:solidFill>
+                <a:latin typeface="Avenir Next LT Pro"/>
+              </a:rPr>
+              <a:t>Reinforcement Learning Agents </a:t>
+            </a:r>
+            <a:r>
               <a:rPr lang="en-PH" b="1" dirty="0">
                 <a:solidFill>
                   <a:srgbClr val="393356"/>
                 </a:solidFill>
                 <a:latin typeface="Avenir Next LT Pro"/>
               </a:rPr>
-              <a:t>Agent-Based Reinforcement Learning in Colonel Blotto</a:t>
+              <a:t>in Colonel Blotto</a:t>
+            </a:r>
+          </a:p>
+        </p:txBody>
+      </p:sp>
+      <p:sp>
+        <p:nvSpPr>
+          <p:cNvPr id="3" name="TextBox 2">
+            <a:extLst>
+              <a:ext uri="{FF2B5EF4-FFF2-40B4-BE49-F238E27FC236}">
+                <a16:creationId xmlns:a16="http://schemas.microsoft.com/office/drawing/2014/main" id="{B0BD8498-543D-C546-84AF-A79FCC3D8183}"/>
+              </a:ext>
+            </a:extLst>
+          </p:cNvPr>
+          <p:cNvSpPr txBox="1"/>
+          <p:nvPr/>
+        </p:nvSpPr>
+        <p:spPr>
+          <a:xfrm>
+            <a:off x="1076739" y="4154494"/>
+            <a:ext cx="6189836" cy="307777"/>
+          </a:xfrm>
+          <a:prstGeom prst="rect">
+            <a:avLst/>
+          </a:prstGeom>
+          <a:noFill/>
+        </p:spPr>
+        <p:txBody>
+          <a:bodyPr wrap="none" rtlCol="0">
+            <a:spAutoFit/>
+          </a:bodyPr>
+          <a:lstStyle/>
+          <a:p>
+            <a:r>
+              <a:rPr lang="en-US" sz="1400" dirty="0"/>
+              <a:t>(Code, paper, and presentation available at </a:t>
+            </a:r>
+            <a:r>
+              <a:rPr lang="en-US" sz="1400" dirty="0">
+                <a:hlinkClick r:id="rId2"/>
+              </a:rPr>
+              <a:t>https://github.com/jinonoel/BlottoRL</a:t>
+            </a:r>
+            <a:r>
+              <a:rPr lang="en-US" sz="1400" dirty="0"/>
+              <a:t>) </a:t>
+            </a:r>
+          </a:p>
+        </p:txBody>
+      </p:sp>
+      <p:sp>
+        <p:nvSpPr>
+          <p:cNvPr id="4" name="TextBox 3">
+            <a:extLst>
+              <a:ext uri="{FF2B5EF4-FFF2-40B4-BE49-F238E27FC236}">
+                <a16:creationId xmlns:a16="http://schemas.microsoft.com/office/drawing/2014/main" id="{14FF9138-F436-0E42-8A40-0C37FC841A66}"/>
+              </a:ext>
+            </a:extLst>
+          </p:cNvPr>
+          <p:cNvSpPr txBox="1"/>
+          <p:nvPr/>
+        </p:nvSpPr>
+        <p:spPr>
+          <a:xfrm>
+            <a:off x="1076739" y="3675826"/>
+            <a:ext cx="2458365" cy="369332"/>
+          </a:xfrm>
+          <a:prstGeom prst="rect">
+            <a:avLst/>
+          </a:prstGeom>
+          <a:noFill/>
+        </p:spPr>
+        <p:txBody>
+          <a:bodyPr wrap="none" rtlCol="0">
+            <a:spAutoFit/>
+          </a:bodyPr>
+          <a:lstStyle/>
+          <a:p>
+            <a:r>
+              <a:rPr lang="en-US" dirty="0"/>
+              <a:t>Joseph Christian G. Noel</a:t>
             </a:r>
           </a:p>
         </p:txBody>
@@ -7488,7 +7593,7 @@
           <a:p>
             <a:r>
               <a:rPr lang="en-PH" dirty="0"/>
-              <a:t>Markov Decision Process (MDP)</a:t>
+              <a:t>Markov Process</a:t>
             </a:r>
           </a:p>
         </p:txBody>
@@ -7858,7 +7963,21 @@
           <a:p>
             <a:r>
               <a:rPr lang="en-PH" dirty="0"/>
-              <a:t>RL Agent (using Q-Learning) vs Random Agent</a:t>
+              <a:t>RL Agent (using Q-Learning) vs Random Agent.</a:t>
+            </a:r>
+          </a:p>
+          <a:p>
+            <a:pPr lvl="1"/>
+            <a:r>
+              <a:rPr lang="en-PH" dirty="0"/>
+              <a:t>Exploration rate of 0.2</a:t>
+            </a:r>
+          </a:p>
+          <a:p>
+            <a:pPr lvl="1"/>
+            <a:r>
+              <a:rPr lang="en-PH" dirty="0"/>
+              <a:t>Reward of 1 for won games, -1 for lost games.</a:t>
             </a:r>
           </a:p>
           <a:p>
@@ -9290,18 +9409,18 @@
 </file>
 
 <file path=customXml/item1.xml><?xml version="1.0" encoding="utf-8"?>
-<p:properties xmlns:p="http://schemas.microsoft.com/office/2006/metadata/properties" xmlns:xsi="http://www.w3.org/2001/XMLSchema-instance" xmlns:pc="http://schemas.microsoft.com/office/infopath/2007/PartnerControls">
-  <documentManagement/>
-</p:properties>
-</file>
-
-<file path=customXml/item2.xml><?xml version="1.0" encoding="utf-8"?>
 <?mso-contentType ?>
 <FormTemplates xmlns="http://schemas.microsoft.com/sharepoint/v3/contenttype/forms">
   <Display>DocumentLibraryForm</Display>
   <Edit>DocumentLibraryForm</Edit>
   <New>DocumentLibraryForm</New>
 </FormTemplates>
+</file>
+
+<file path=customXml/item2.xml><?xml version="1.0" encoding="utf-8"?>
+<p:properties xmlns:p="http://schemas.microsoft.com/office/2006/metadata/properties" xmlns:xsi="http://www.w3.org/2001/XMLSchema-instance" xmlns:pc="http://schemas.microsoft.com/office/infopath/2007/PartnerControls">
+  <documentManagement/>
+</p:properties>
 </file>
 
 <file path=customXml/item3.xml><?xml version="1.0" encoding="utf-8"?>
@@ -9522,26 +9641,26 @@
 </file>
 
 <file path=customXml/itemProps1.xml><?xml version="1.0" encoding="utf-8"?>
-<ds:datastoreItem xmlns:ds="http://schemas.openxmlformats.org/officeDocument/2006/customXml" ds:itemID="{36036780-9B5F-4C56-8B23-9D4E2C8363A2}">
+<ds:datastoreItem xmlns:ds="http://schemas.openxmlformats.org/officeDocument/2006/customXml" ds:itemID="{39C462DA-E8E1-4227-AE5A-66C6BFB067BF}">
   <ds:schemaRefs>
-    <ds:schemaRef ds:uri="7ff91d55-00e8-4e43-833d-c27c6302d7e1"/>
-    <ds:schemaRef ds:uri="http://schemas.microsoft.com/office/2006/documentManagement/types"/>
-    <ds:schemaRef ds:uri="http://schemas.microsoft.com/office/2006/metadata/properties"/>
-    <ds:schemaRef ds:uri="http://purl.org/dc/elements/1.1/"/>
-    <ds:schemaRef ds:uri="http://www.w3.org/XML/1998/namespace"/>
-    <ds:schemaRef ds:uri="http://purl.org/dc/terms/"/>
-    <ds:schemaRef ds:uri="http://purl.org/dc/dcmitype/"/>
-    <ds:schemaRef ds:uri="http://schemas.microsoft.com/office/infopath/2007/PartnerControls"/>
-    <ds:schemaRef ds:uri="http://schemas.openxmlformats.org/package/2006/metadata/core-properties"/>
-    <ds:schemaRef ds:uri="b4c5ac6c-200a-4439-a30e-d500876a7b0b"/>
+    <ds:schemaRef ds:uri="http://schemas.microsoft.com/sharepoint/v3/contenttype/forms"/>
   </ds:schemaRefs>
 </ds:datastoreItem>
 </file>
 
 <file path=customXml/itemProps2.xml><?xml version="1.0" encoding="utf-8"?>
-<ds:datastoreItem xmlns:ds="http://schemas.openxmlformats.org/officeDocument/2006/customXml" ds:itemID="{39C462DA-E8E1-4227-AE5A-66C6BFB067BF}">
+<ds:datastoreItem xmlns:ds="http://schemas.openxmlformats.org/officeDocument/2006/customXml" ds:itemID="{36036780-9B5F-4C56-8B23-9D4E2C8363A2}">
   <ds:schemaRefs>
-    <ds:schemaRef ds:uri="http://schemas.microsoft.com/sharepoint/v3/contenttype/forms"/>
+    <ds:schemaRef ds:uri="http://purl.org/dc/dcmitype/"/>
+    <ds:schemaRef ds:uri="http://purl.org/dc/elements/1.1/"/>
+    <ds:schemaRef ds:uri="http://schemas.microsoft.com/office/2006/metadata/properties"/>
+    <ds:schemaRef ds:uri="http://www.w3.org/XML/1998/namespace"/>
+    <ds:schemaRef ds:uri="http://schemas.openxmlformats.org/package/2006/metadata/core-properties"/>
+    <ds:schemaRef ds:uri="http://purl.org/dc/terms/"/>
+    <ds:schemaRef ds:uri="http://schemas.microsoft.com/office/2006/documentManagement/types"/>
+    <ds:schemaRef ds:uri="http://schemas.microsoft.com/office/infopath/2007/PartnerControls"/>
+    <ds:schemaRef ds:uri="b4c5ac6c-200a-4439-a30e-d500876a7b0b"/>
+    <ds:schemaRef ds:uri="7ff91d55-00e8-4e43-833d-c27c6302d7e1"/>
   </ds:schemaRefs>
 </ds:datastoreItem>
 </file>
